--- a/Lecture/Modeling 4/Modeling_4_Lecture.pptx
+++ b/Lecture/Modeling 4/Modeling_4_Lecture.pptx
@@ -308,7 +308,7 @@
               <a:pPr>
                 <a:defRPr/>
               </a:pPr>
-              <a:t>3/19/2019</a:t>
+              <a:t>10/26/2020</a:t>
             </a:fld>
             <a:endParaRPr lang="en-US" dirty="0"/>
           </a:p>
@@ -520,7 +520,7 @@
               <a:pPr>
                 <a:defRPr/>
               </a:pPr>
-              <a:t>3/19/2019</a:t>
+              <a:t>10/26/2020</a:t>
             </a:fld>
             <a:endParaRPr lang="en-US" dirty="0"/>
           </a:p>
@@ -1039,7 +1039,7 @@
               <a:pPr>
                 <a:defRPr/>
               </a:pPr>
-              <a:t>3/19/2019</a:t>
+              <a:t>10/26/2020</a:t>
             </a:fld>
             <a:endParaRPr lang="en-US" dirty="0"/>
           </a:p>
@@ -1229,7 +1229,7 @@
               <a:pPr>
                 <a:defRPr/>
               </a:pPr>
-              <a:t>3/19/2019</a:t>
+              <a:t>10/26/2020</a:t>
             </a:fld>
             <a:endParaRPr lang="en-US" dirty="0"/>
           </a:p>
@@ -1429,7 +1429,7 @@
               <a:pPr>
                 <a:defRPr/>
               </a:pPr>
-              <a:t>3/19/2019</a:t>
+              <a:t>10/26/2020</a:t>
             </a:fld>
             <a:endParaRPr lang="en-US" dirty="0"/>
           </a:p>
@@ -1697,7 +1697,7 @@
               <a:pPr>
                 <a:defRPr/>
               </a:pPr>
-              <a:t>3/19/2019</a:t>
+              <a:t>10/26/2020</a:t>
             </a:fld>
             <a:endParaRPr lang="en-US" dirty="0">
               <a:solidFill>
@@ -1911,7 +1911,7 @@
               <a:pPr>
                 <a:defRPr/>
               </a:pPr>
-              <a:t>3/19/2019</a:t>
+              <a:t>10/26/2020</a:t>
             </a:fld>
             <a:endParaRPr lang="en-US" dirty="0">
               <a:solidFill>
@@ -2202,7 +2202,7 @@
               <a:pPr>
                 <a:defRPr/>
               </a:pPr>
-              <a:t>3/19/2019</a:t>
+              <a:t>10/26/2020</a:t>
             </a:fld>
             <a:endParaRPr lang="en-US" dirty="0">
               <a:solidFill>
@@ -2533,7 +2533,7 @@
               <a:pPr>
                 <a:defRPr/>
               </a:pPr>
-              <a:t>3/19/2019</a:t>
+              <a:t>10/26/2020</a:t>
             </a:fld>
             <a:endParaRPr lang="en-US" dirty="0">
               <a:solidFill>
@@ -2998,7 +2998,7 @@
               <a:pPr>
                 <a:defRPr/>
               </a:pPr>
-              <a:t>3/19/2019</a:t>
+              <a:t>10/26/2020</a:t>
             </a:fld>
             <a:endParaRPr lang="en-US" dirty="0">
               <a:solidFill>
@@ -3161,7 +3161,7 @@
               <a:pPr>
                 <a:defRPr/>
               </a:pPr>
-              <a:t>3/19/2019</a:t>
+              <a:t>10/26/2020</a:t>
             </a:fld>
             <a:endParaRPr lang="en-US" dirty="0">
               <a:solidFill>
@@ -3302,7 +3302,7 @@
               <a:pPr>
                 <a:defRPr/>
               </a:pPr>
-              <a:t>3/19/2019</a:t>
+              <a:t>10/26/2020</a:t>
             </a:fld>
             <a:endParaRPr lang="en-US" dirty="0">
               <a:solidFill>
@@ -3623,7 +3623,7 @@
               <a:pPr>
                 <a:defRPr/>
               </a:pPr>
-              <a:t>3/19/2019</a:t>
+              <a:t>10/26/2020</a:t>
             </a:fld>
             <a:endParaRPr lang="en-US" dirty="0">
               <a:solidFill>
@@ -3831,7 +3831,7 @@
               <a:pPr>
                 <a:defRPr/>
               </a:pPr>
-              <a:t>3/19/2019</a:t>
+              <a:t>10/26/2020</a:t>
             </a:fld>
             <a:endParaRPr lang="en-US" dirty="0"/>
           </a:p>
@@ -4114,7 +4114,7 @@
               <a:pPr>
                 <a:defRPr/>
               </a:pPr>
-              <a:t>3/19/2019</a:t>
+              <a:t>10/26/2020</a:t>
             </a:fld>
             <a:endParaRPr lang="en-US" dirty="0">
               <a:solidFill>
@@ -4328,7 +4328,7 @@
               <a:pPr>
                 <a:defRPr/>
               </a:pPr>
-              <a:t>3/19/2019</a:t>
+              <a:t>10/26/2020</a:t>
             </a:fld>
             <a:endParaRPr lang="en-US" dirty="0">
               <a:solidFill>
@@ -4552,7 +4552,7 @@
               <a:pPr>
                 <a:defRPr/>
               </a:pPr>
-              <a:t>3/19/2019</a:t>
+              <a:t>10/26/2020</a:t>
             </a:fld>
             <a:endParaRPr lang="en-US" dirty="0">
               <a:solidFill>
@@ -4762,7 +4762,7 @@
               <a:pPr>
                 <a:defRPr/>
               </a:pPr>
-              <a:t>3/19/2019</a:t>
+              <a:t>10/26/2020</a:t>
             </a:fld>
             <a:endParaRPr lang="en-US" dirty="0">
               <a:solidFill>
@@ -5039,7 +5039,7 @@
               <a:pPr>
                 <a:defRPr/>
               </a:pPr>
-              <a:t>3/19/2019</a:t>
+              <a:t>10/26/2020</a:t>
             </a:fld>
             <a:endParaRPr lang="en-US" dirty="0"/>
           </a:p>
@@ -5346,7 +5346,7 @@
               <a:pPr>
                 <a:defRPr/>
               </a:pPr>
-              <a:t>3/19/2019</a:t>
+              <a:t>10/26/2020</a:t>
             </a:fld>
             <a:endParaRPr lang="en-US" dirty="0"/>
           </a:p>
@@ -5787,7 +5787,7 @@
               <a:pPr>
                 <a:defRPr/>
               </a:pPr>
-              <a:t>3/19/2019</a:t>
+              <a:t>10/26/2020</a:t>
             </a:fld>
             <a:endParaRPr lang="en-US" dirty="0"/>
           </a:p>
@@ -5926,7 +5926,7 @@
               <a:pPr>
                 <a:defRPr/>
               </a:pPr>
-              <a:t>3/19/2019</a:t>
+              <a:t>10/26/2020</a:t>
             </a:fld>
             <a:endParaRPr lang="en-US" dirty="0"/>
           </a:p>
@@ -6043,7 +6043,7 @@
               <a:pPr>
                 <a:defRPr/>
               </a:pPr>
-              <a:t>3/19/2019</a:t>
+              <a:t>10/26/2020</a:t>
             </a:fld>
             <a:endParaRPr lang="en-US" dirty="0"/>
           </a:p>
@@ -6340,7 +6340,7 @@
               <a:pPr>
                 <a:defRPr/>
               </a:pPr>
-              <a:t>3/19/2019</a:t>
+              <a:t>10/26/2020</a:t>
             </a:fld>
             <a:endParaRPr lang="en-US" dirty="0"/>
           </a:p>
@@ -6617,7 +6617,7 @@
               <a:pPr>
                 <a:defRPr/>
               </a:pPr>
-              <a:t>3/19/2019</a:t>
+              <a:t>10/26/2020</a:t>
             </a:fld>
             <a:endParaRPr lang="en-US" dirty="0"/>
           </a:p>
@@ -6874,7 +6874,7 @@
               <a:pPr>
                 <a:defRPr/>
               </a:pPr>
-              <a:t>3/19/2019</a:t>
+              <a:t>10/26/2020</a:t>
             </a:fld>
             <a:endParaRPr lang="en-US" dirty="0"/>
           </a:p>
@@ -7584,7 +7584,7 @@
               <a:pPr>
                 <a:defRPr/>
               </a:pPr>
-              <a:t>3/19/2019</a:t>
+              <a:t>10/26/2020</a:t>
             </a:fld>
             <a:endParaRPr lang="en-US" dirty="0">
               <a:solidFill>
@@ -14158,13 +14158,18 @@
               <a:defRPr/>
             </a:pPr>
             <a:r>
-              <a:rPr lang="en-US" dirty="0">
+              <a:rPr lang="en-US">
                 <a:solidFill>
                   <a:srgbClr val="404040"/>
                 </a:solidFill>
               </a:rPr>
-              <a:t>Download Tutorial Zip</a:t>
-            </a:r>
+              <a:t>Download Supplement</a:t>
+            </a:r>
+            <a:endParaRPr lang="en-US" dirty="0">
+              <a:solidFill>
+                <a:srgbClr val="404040"/>
+              </a:solidFill>
+            </a:endParaRPr>
           </a:p>
           <a:p>
             <a:pPr marL="800100" lvl="1" indent="-342900">
